--- a/week_8/8.1 - Encoding Text.pptx
+++ b/week_8/8.1 - Encoding Text.pptx
@@ -7,6 +7,11 @@
   <p:sldIdLst>
     <p:sldId id="256" r:id="rId2"/>
     <p:sldId id="257" r:id="rId3"/>
+    <p:sldId id="258" r:id="rId4"/>
+    <p:sldId id="260" r:id="rId5"/>
+    <p:sldId id="259" r:id="rId6"/>
+    <p:sldId id="261" r:id="rId7"/>
+    <p:sldId id="262" r:id="rId8"/>
   </p:sldIdLst>
   <p:sldSz cx="9144000" cy="6858000" type="screen4x3"/>
   <p:notesSz cx="6858000" cy="9144000"/>
@@ -289,7 +294,7 @@
           <a:p>
             <a:fld id="{30A10C02-35BF-C647-A35C-91B453C8803C}" type="datetimeFigureOut">
               <a:rPr lang="en-US" smtClean="0"/>
-              <a:t>8/25/15</a:t>
+              <a:t>9/27/15</a:t>
             </a:fld>
             <a:endParaRPr lang="en-US"/>
           </a:p>
@@ -459,7 +464,7 @@
           <a:p>
             <a:fld id="{30A10C02-35BF-C647-A35C-91B453C8803C}" type="datetimeFigureOut">
               <a:rPr lang="en-US" smtClean="0"/>
-              <a:t>8/25/15</a:t>
+              <a:t>9/27/15</a:t>
             </a:fld>
             <a:endParaRPr lang="en-US"/>
           </a:p>
@@ -639,7 +644,7 @@
           <a:p>
             <a:fld id="{30A10C02-35BF-C647-A35C-91B453C8803C}" type="datetimeFigureOut">
               <a:rPr lang="en-US" smtClean="0"/>
-              <a:t>8/25/15</a:t>
+              <a:t>9/27/15</a:t>
             </a:fld>
             <a:endParaRPr lang="en-US"/>
           </a:p>
@@ -809,7 +814,7 @@
           <a:p>
             <a:fld id="{30A10C02-35BF-C647-A35C-91B453C8803C}" type="datetimeFigureOut">
               <a:rPr lang="en-US" smtClean="0"/>
-              <a:t>8/25/15</a:t>
+              <a:t>9/27/15</a:t>
             </a:fld>
             <a:endParaRPr lang="en-US"/>
           </a:p>
@@ -1055,7 +1060,7 @@
           <a:p>
             <a:fld id="{30A10C02-35BF-C647-A35C-91B453C8803C}" type="datetimeFigureOut">
               <a:rPr lang="en-US" smtClean="0"/>
-              <a:t>8/25/15</a:t>
+              <a:t>9/27/15</a:t>
             </a:fld>
             <a:endParaRPr lang="en-US"/>
           </a:p>
@@ -1343,7 +1348,7 @@
           <a:p>
             <a:fld id="{30A10C02-35BF-C647-A35C-91B453C8803C}" type="datetimeFigureOut">
               <a:rPr lang="en-US" smtClean="0"/>
-              <a:t>8/25/15</a:t>
+              <a:t>9/27/15</a:t>
             </a:fld>
             <a:endParaRPr lang="en-US"/>
           </a:p>
@@ -1765,7 +1770,7 @@
           <a:p>
             <a:fld id="{30A10C02-35BF-C647-A35C-91B453C8803C}" type="datetimeFigureOut">
               <a:rPr lang="en-US" smtClean="0"/>
-              <a:t>8/25/15</a:t>
+              <a:t>9/27/15</a:t>
             </a:fld>
             <a:endParaRPr lang="en-US"/>
           </a:p>
@@ -1883,7 +1888,7 @@
           <a:p>
             <a:fld id="{30A10C02-35BF-C647-A35C-91B453C8803C}" type="datetimeFigureOut">
               <a:rPr lang="en-US" smtClean="0"/>
-              <a:t>8/25/15</a:t>
+              <a:t>9/27/15</a:t>
             </a:fld>
             <a:endParaRPr lang="en-US"/>
           </a:p>
@@ -1978,7 +1983,7 @@
           <a:p>
             <a:fld id="{30A10C02-35BF-C647-A35C-91B453C8803C}" type="datetimeFigureOut">
               <a:rPr lang="en-US" smtClean="0"/>
-              <a:t>8/25/15</a:t>
+              <a:t>9/27/15</a:t>
             </a:fld>
             <a:endParaRPr lang="en-US"/>
           </a:p>
@@ -2255,7 +2260,7 @@
           <a:p>
             <a:fld id="{30A10C02-35BF-C647-A35C-91B453C8803C}" type="datetimeFigureOut">
               <a:rPr lang="en-US" smtClean="0"/>
-              <a:t>8/25/15</a:t>
+              <a:t>9/27/15</a:t>
             </a:fld>
             <a:endParaRPr lang="en-US"/>
           </a:p>
@@ -2508,7 +2513,7 @@
           <a:p>
             <a:fld id="{30A10C02-35BF-C647-A35C-91B453C8803C}" type="datetimeFigureOut">
               <a:rPr lang="en-US" smtClean="0"/>
-              <a:t>8/25/15</a:t>
+              <a:t>9/27/15</a:t>
             </a:fld>
             <a:endParaRPr lang="en-US"/>
           </a:p>
@@ -2721,7 +2726,7 @@
           <a:p>
             <a:fld id="{30A10C02-35BF-C647-A35C-91B453C8803C}" type="datetimeFigureOut">
               <a:rPr lang="en-US" smtClean="0"/>
-              <a:t>8/25/15</a:t>
+              <a:t>9/27/15</a:t>
             </a:fld>
             <a:endParaRPr lang="en-US"/>
           </a:p>
@@ -3185,7 +3190,7 @@
           <a:p>
             <a:r>
               <a:rPr lang="en-US" dirty="0" smtClean="0"/>
-              <a:t>Points to include</a:t>
+              <a:t>Text and Binary Data</a:t>
             </a:r>
             <a:endParaRPr lang="en-US" dirty="0"/>
           </a:p>
@@ -3203,53 +3208,85 @@
         </p:nvSpPr>
         <p:spPr/>
         <p:txBody>
-          <a:bodyPr/>
-          <a:lstStyle/>
-          <a:p>
-            <a:r>
-              <a:rPr lang="en-US" dirty="0" smtClean="0"/>
-              <a:t>How do we encode characters? </a:t>
-            </a:r>
-          </a:p>
-          <a:p>
-            <a:r>
-              <a:rPr lang="en-US" dirty="0" smtClean="0"/>
-              <a:t>At some level it’s </a:t>
+          <a:bodyPr>
+            <a:normAutofit fontScale="62500" lnSpcReduction="20000"/>
+          </a:bodyPr>
+          <a:lstStyle/>
+          <a:p>
+            <a:r>
+              <a:rPr lang="en-US" dirty="0" smtClean="0"/>
+              <a:t>Up till this point in the course, we’ve been moving up to bigger and bigger code structures</a:t>
+            </a:r>
+          </a:p>
+          <a:p>
+            <a:pPr lvl="1"/>
+            <a:r>
+              <a:rPr lang="en-US" dirty="0" smtClean="0"/>
+              <a:t>From </a:t>
             </a:r>
             <a:r>
               <a:rPr lang="en-US" dirty="0" err="1" smtClean="0"/>
-              <a:t>gotta</a:t>
-            </a:r>
-            <a:r>
-              <a:rPr lang="en-US" dirty="0" smtClean="0"/>
-              <a:t> be binary, we need to map each character to a binary number</a:t>
-            </a:r>
-          </a:p>
-          <a:p>
-            <a:r>
-              <a:rPr lang="en-US" dirty="0" smtClean="0"/>
-              <a:t>At first ASCII</a:t>
-            </a:r>
-          </a:p>
-          <a:p>
-            <a:r>
-              <a:rPr lang="en-US" dirty="0" smtClean="0"/>
-              <a:t>Then Unicode</a:t>
-            </a:r>
-            <a:endParaRPr lang="en-US" dirty="0"/>
-          </a:p>
-          <a:p>
-            <a:r>
-              <a:rPr lang="en-US" dirty="0" smtClean="0"/>
-              <a:t>One major improvement of python 3 over 2 is native support for </a:t>
+              <a:t>int</a:t>
             </a:r>
             <a:r>
               <a:rPr lang="en-US" dirty="0" err="1" smtClean="0"/>
-              <a:t>unicode</a:t>
-            </a:r>
-            <a:r>
-              <a:rPr lang="en-US" dirty="0" smtClean="0"/>
-              <a:t>.</a:t>
+              <a:t>s</a:t>
+            </a:r>
+            <a:r>
+              <a:rPr lang="en-US" dirty="0" smtClean="0"/>
+              <a:t> and floats, to lists and strings, to modules and classes</a:t>
+            </a:r>
+          </a:p>
+          <a:p>
+            <a:r>
+              <a:rPr lang="en-US" dirty="0" smtClean="0"/>
+              <a:t>Today, we’re heading in the other direction.</a:t>
+            </a:r>
+          </a:p>
+          <a:p>
+            <a:pPr lvl="1"/>
+            <a:r>
+              <a:rPr lang="en-US" dirty="0" smtClean="0"/>
+              <a:t>We want to know how a computer can store all the types of data we use, when at some level it’s all binary, just zeros and ones.</a:t>
+            </a:r>
+          </a:p>
+          <a:p>
+            <a:r>
+              <a:rPr lang="en-US" dirty="0" smtClean="0"/>
+              <a:t>When we’re just working in Python, we usually don’t have to worry about this level of representation</a:t>
+            </a:r>
+          </a:p>
+          <a:p>
+            <a:r>
+              <a:rPr lang="en-US" dirty="0" smtClean="0"/>
+              <a:t>But as a data scientist, you’ll often need to collect data from other sources</a:t>
+            </a:r>
+          </a:p>
+          <a:p>
+            <a:pPr lvl="1"/>
+            <a:r>
+              <a:rPr lang="en-US" dirty="0" smtClean="0"/>
+              <a:t>Websites</a:t>
+            </a:r>
+          </a:p>
+          <a:p>
+            <a:pPr lvl="1"/>
+            <a:r>
+              <a:rPr lang="en-US" dirty="0" smtClean="0"/>
+              <a:t>Publically advertised servers</a:t>
+            </a:r>
+          </a:p>
+          <a:p>
+            <a:pPr lvl="1"/>
+            <a:r>
+              <a:rPr lang="en-US" dirty="0" smtClean="0"/>
+              <a:t>Files created by other people</a:t>
+            </a:r>
+          </a:p>
+          <a:p>
+            <a:r>
+              <a:rPr lang="en-US" dirty="0" smtClean="0"/>
+              <a:t>We can classify these sources as text data or binary data.  Let’s cover text data first</a:t>
             </a:r>
           </a:p>
         </p:txBody>
@@ -3258,6 +3295,620 @@
     <p:extLst>
       <p:ext uri="{BB962C8B-B14F-4D97-AF65-F5344CB8AC3E}">
         <p14:creationId xmlns:p14="http://schemas.microsoft.com/office/powerpoint/2010/main" val="4011894005"/>
+      </p:ext>
+    </p:extLst>
+  </p:cSld>
+  <p:clrMapOvr>
+    <a:masterClrMapping/>
+  </p:clrMapOvr>
+</p:sld>
+</file>
+
+<file path=ppt/slides/slide3.xml><?xml version="1.0" encoding="utf-8"?>
+<p:sld xmlns:a="http://schemas.openxmlformats.org/drawingml/2006/main" xmlns:r="http://schemas.openxmlformats.org/officeDocument/2006/relationships" xmlns:p="http://schemas.openxmlformats.org/presentationml/2006/main">
+  <p:cSld>
+    <p:spTree>
+      <p:nvGrpSpPr>
+        <p:cNvPr id="1" name=""/>
+        <p:cNvGrpSpPr/>
+        <p:nvPr/>
+      </p:nvGrpSpPr>
+      <p:grpSpPr>
+        <a:xfrm>
+          <a:off x="0" y="0"/>
+          <a:ext cx="0" cy="0"/>
+          <a:chOff x="0" y="0"/>
+          <a:chExt cx="0" cy="0"/>
+        </a:xfrm>
+      </p:grpSpPr>
+      <p:sp>
+        <p:nvSpPr>
+          <p:cNvPr id="2" name="Title 1"/>
+          <p:cNvSpPr>
+            <a:spLocks noGrp="1"/>
+          </p:cNvSpPr>
+          <p:nvPr>
+            <p:ph type="title"/>
+          </p:nvPr>
+        </p:nvSpPr>
+        <p:spPr/>
+        <p:txBody>
+          <a:bodyPr/>
+          <a:lstStyle/>
+          <a:p>
+            <a:r>
+              <a:rPr lang="en-US" dirty="0" smtClean="0"/>
+              <a:t>Text</a:t>
+            </a:r>
+            <a:endParaRPr lang="en-US" dirty="0"/>
+          </a:p>
+        </p:txBody>
+      </p:sp>
+      <p:sp>
+        <p:nvSpPr>
+          <p:cNvPr id="3" name="Content Placeholder 2"/>
+          <p:cNvSpPr>
+            <a:spLocks noGrp="1"/>
+          </p:cNvSpPr>
+          <p:nvPr>
+            <p:ph idx="1"/>
+          </p:nvPr>
+        </p:nvSpPr>
+        <p:spPr/>
+        <p:txBody>
+          <a:bodyPr>
+            <a:normAutofit fontScale="70000" lnSpcReduction="20000"/>
+          </a:bodyPr>
+          <a:lstStyle/>
+          <a:p>
+            <a:r>
+              <a:rPr lang="en-US" dirty="0" smtClean="0"/>
+              <a:t>How can we get a computer to process text characters?</a:t>
+            </a:r>
+            <a:endParaRPr lang="en-US" dirty="0"/>
+          </a:p>
+          <a:p>
+            <a:r>
+              <a:rPr lang="en-US" dirty="0" smtClean="0"/>
+              <a:t>We know that at some level, text has to be binary, so </a:t>
+            </a:r>
+            <a:r>
+              <a:rPr lang="en-US" dirty="0"/>
+              <a:t>need to map each character to a binary </a:t>
+            </a:r>
+            <a:r>
+              <a:rPr lang="en-US" dirty="0" smtClean="0"/>
+              <a:t>sequence</a:t>
+            </a:r>
+          </a:p>
+          <a:p>
+            <a:pPr lvl="1"/>
+            <a:r>
+              <a:rPr lang="en-US" dirty="0" smtClean="0"/>
+              <a:t>You can view every binary sequence as a number in base 2</a:t>
+            </a:r>
+          </a:p>
+          <a:p>
+            <a:pPr lvl="1"/>
+            <a:r>
+              <a:rPr lang="en-US" dirty="0" smtClean="0"/>
+              <a:t>0000 is 0</a:t>
+            </a:r>
+          </a:p>
+          <a:p>
+            <a:pPr lvl="1"/>
+            <a:r>
+              <a:rPr lang="en-US" dirty="0" smtClean="0"/>
+              <a:t>0001 is 1</a:t>
+            </a:r>
+          </a:p>
+          <a:p>
+            <a:pPr lvl="1"/>
+            <a:r>
+              <a:rPr lang="en-US" dirty="0" smtClean="0"/>
+              <a:t>0010 is 2</a:t>
+            </a:r>
+          </a:p>
+          <a:p>
+            <a:pPr lvl="1"/>
+            <a:r>
+              <a:rPr lang="en-US" dirty="0" smtClean="0"/>
+              <a:t>And so on…</a:t>
+            </a:r>
+            <a:endParaRPr lang="en-US" dirty="0"/>
+          </a:p>
+          <a:p>
+            <a:r>
+              <a:rPr lang="en-US" dirty="0" smtClean="0"/>
+              <a:t>The first major system for encoding text was called ASCII</a:t>
+            </a:r>
+          </a:p>
+          <a:p>
+            <a:pPr lvl="1"/>
+            <a:r>
+              <a:rPr lang="en-US" dirty="0"/>
+              <a:t>American Standard Code for Information </a:t>
+            </a:r>
+            <a:r>
+              <a:rPr lang="en-US" dirty="0" smtClean="0"/>
+              <a:t>Interchange</a:t>
+            </a:r>
+          </a:p>
+          <a:p>
+            <a:pPr lvl="1"/>
+            <a:r>
+              <a:rPr lang="en-US" dirty="0" smtClean="0"/>
+              <a:t>It was first published in 1963</a:t>
+            </a:r>
+            <a:endParaRPr lang="en-US" dirty="0"/>
+          </a:p>
+          <a:p>
+            <a:r>
+              <a:rPr lang="en-US" dirty="0" smtClean="0"/>
+              <a:t>Every ASCII character takes 7 bits</a:t>
+            </a:r>
+          </a:p>
+          <a:p>
+            <a:pPr lvl="1"/>
+            <a:r>
+              <a:rPr lang="en-US" dirty="0" smtClean="0"/>
+              <a:t>This means that you can only get 2</a:t>
+            </a:r>
+            <a:r>
+              <a:rPr lang="en-US" baseline="30000" dirty="0" smtClean="0"/>
+              <a:t>7</a:t>
+            </a:r>
+            <a:r>
+              <a:rPr lang="en-US" dirty="0" smtClean="0"/>
+              <a:t> = 128 different characters.</a:t>
+            </a:r>
+          </a:p>
+          <a:p>
+            <a:pPr lvl="1"/>
+            <a:endParaRPr lang="en-US" dirty="0"/>
+          </a:p>
+          <a:p>
+            <a:endParaRPr lang="en-US" dirty="0"/>
+          </a:p>
+        </p:txBody>
+      </p:sp>
+    </p:spTree>
+    <p:extLst>
+      <p:ext uri="{BB962C8B-B14F-4D97-AF65-F5344CB8AC3E}">
+        <p14:creationId xmlns:p14="http://schemas.microsoft.com/office/powerpoint/2010/main" val="2199567278"/>
+      </p:ext>
+    </p:extLst>
+  </p:cSld>
+  <p:clrMapOvr>
+    <a:masterClrMapping/>
+  </p:clrMapOvr>
+</p:sld>
+</file>
+
+<file path=ppt/slides/slide4.xml><?xml version="1.0" encoding="utf-8"?>
+<p:sld xmlns:a="http://schemas.openxmlformats.org/drawingml/2006/main" xmlns:r="http://schemas.openxmlformats.org/officeDocument/2006/relationships" xmlns:p="http://schemas.openxmlformats.org/presentationml/2006/main">
+  <p:cSld>
+    <p:spTree>
+      <p:nvGrpSpPr>
+        <p:cNvPr id="1" name=""/>
+        <p:cNvGrpSpPr/>
+        <p:nvPr/>
+      </p:nvGrpSpPr>
+      <p:grpSpPr>
+        <a:xfrm>
+          <a:off x="0" y="0"/>
+          <a:ext cx="0" cy="0"/>
+          <a:chOff x="0" y="0"/>
+          <a:chExt cx="0" cy="0"/>
+        </a:xfrm>
+      </p:grpSpPr>
+      <p:sp>
+        <p:nvSpPr>
+          <p:cNvPr id="2" name="Title 1"/>
+          <p:cNvSpPr>
+            <a:spLocks noGrp="1"/>
+          </p:cNvSpPr>
+          <p:nvPr>
+            <p:ph type="title"/>
+          </p:nvPr>
+        </p:nvSpPr>
+        <p:spPr/>
+        <p:txBody>
+          <a:bodyPr/>
+          <a:lstStyle/>
+          <a:p>
+            <a:r>
+              <a:rPr lang="en-US" dirty="0" smtClean="0"/>
+              <a:t>ASCII</a:t>
+            </a:r>
+            <a:endParaRPr lang="en-US" dirty="0"/>
+          </a:p>
+        </p:txBody>
+      </p:sp>
+      <p:pic>
+        <p:nvPicPr>
+          <p:cNvPr id="4" name="Picture 3" descr="AppF_ASCIITable.png"/>
+          <p:cNvPicPr>
+            <a:picLocks noChangeAspect="1"/>
+          </p:cNvPicPr>
+          <p:nvPr/>
+        </p:nvPicPr>
+        <p:blipFill>
+          <a:blip r:embed="rId2">
+            <a:extLst>
+              <a:ext uri="{28A0092B-C50C-407E-A947-70E740481C1C}">
+                <a14:useLocalDpi xmlns:a14="http://schemas.microsoft.com/office/drawing/2010/main" val="0"/>
+              </a:ext>
+            </a:extLst>
+          </a:blip>
+          <a:stretch>
+            <a:fillRect/>
+          </a:stretch>
+        </p:blipFill>
+        <p:spPr>
+          <a:xfrm>
+            <a:off x="686970" y="1281512"/>
+            <a:ext cx="7337483" cy="5576487"/>
+          </a:xfrm>
+          <a:prstGeom prst="rect">
+            <a:avLst/>
+          </a:prstGeom>
+        </p:spPr>
+      </p:pic>
+    </p:spTree>
+    <p:extLst>
+      <p:ext uri="{BB962C8B-B14F-4D97-AF65-F5344CB8AC3E}">
+        <p14:creationId xmlns:p14="http://schemas.microsoft.com/office/powerpoint/2010/main" val="2026500189"/>
+      </p:ext>
+    </p:extLst>
+  </p:cSld>
+  <p:clrMapOvr>
+    <a:masterClrMapping/>
+  </p:clrMapOvr>
+</p:sld>
+</file>
+
+<file path=ppt/slides/slide5.xml><?xml version="1.0" encoding="utf-8"?>
+<p:sld xmlns:a="http://schemas.openxmlformats.org/drawingml/2006/main" xmlns:r="http://schemas.openxmlformats.org/officeDocument/2006/relationships" xmlns:p="http://schemas.openxmlformats.org/presentationml/2006/main">
+  <p:cSld>
+    <p:spTree>
+      <p:nvGrpSpPr>
+        <p:cNvPr id="1" name=""/>
+        <p:cNvGrpSpPr/>
+        <p:nvPr/>
+      </p:nvGrpSpPr>
+      <p:grpSpPr>
+        <a:xfrm>
+          <a:off x="0" y="0"/>
+          <a:ext cx="0" cy="0"/>
+          <a:chOff x="0" y="0"/>
+          <a:chExt cx="0" cy="0"/>
+        </a:xfrm>
+      </p:grpSpPr>
+      <p:sp>
+        <p:nvSpPr>
+          <p:cNvPr id="2" name="Title 1"/>
+          <p:cNvSpPr>
+            <a:spLocks noGrp="1"/>
+          </p:cNvSpPr>
+          <p:nvPr>
+            <p:ph type="title"/>
+          </p:nvPr>
+        </p:nvSpPr>
+        <p:spPr/>
+        <p:txBody>
+          <a:bodyPr/>
+          <a:lstStyle/>
+          <a:p>
+            <a:r>
+              <a:rPr lang="en-US" dirty="0" smtClean="0"/>
+              <a:t>Beyond ASCII</a:t>
+            </a:r>
+            <a:endParaRPr lang="en-US" dirty="0"/>
+          </a:p>
+        </p:txBody>
+      </p:sp>
+      <p:sp>
+        <p:nvSpPr>
+          <p:cNvPr id="3" name="Content Placeholder 2"/>
+          <p:cNvSpPr>
+            <a:spLocks noGrp="1"/>
+          </p:cNvSpPr>
+          <p:nvPr>
+            <p:ph idx="1"/>
+          </p:nvPr>
+        </p:nvSpPr>
+        <p:spPr/>
+        <p:txBody>
+          <a:bodyPr>
+            <a:normAutofit lnSpcReduction="10000"/>
+          </a:bodyPr>
+          <a:lstStyle/>
+          <a:p>
+            <a:r>
+              <a:rPr lang="en-US" dirty="0" smtClean="0"/>
+              <a:t>Of course, ASCII was far too limiting. </a:t>
+            </a:r>
+          </a:p>
+          <a:p>
+            <a:pPr lvl="1"/>
+            <a:r>
+              <a:rPr lang="en-US" dirty="0" smtClean="0"/>
+              <a:t>It doesn’t even cover all the characters we use to write English, let alone other major languages.</a:t>
+            </a:r>
+          </a:p>
+          <a:p>
+            <a:r>
+              <a:rPr lang="en-US" dirty="0" smtClean="0"/>
+              <a:t>There have been a lot of attempts to create larger character encodings.</a:t>
+            </a:r>
+          </a:p>
+          <a:p>
+            <a:pPr lvl="1"/>
+            <a:r>
+              <a:rPr lang="en-US" dirty="0" smtClean="0"/>
+              <a:t>Windows code, Latin-1, </a:t>
+            </a:r>
+            <a:r>
+              <a:rPr lang="en-US" dirty="0" err="1" smtClean="0"/>
+              <a:t>etc</a:t>
+            </a:r>
+            <a:endParaRPr lang="en-US" dirty="0" smtClean="0"/>
+          </a:p>
+          <a:p>
+            <a:r>
+              <a:rPr lang="en-US" dirty="0" smtClean="0"/>
+              <a:t>These, are unfortunately, often incompatible, and cause errors if you don’t know exactly how to process the bits you’re getting.</a:t>
+            </a:r>
+            <a:endParaRPr lang="en-US" dirty="0"/>
+          </a:p>
+        </p:txBody>
+      </p:sp>
+    </p:spTree>
+    <p:extLst>
+      <p:ext uri="{BB962C8B-B14F-4D97-AF65-F5344CB8AC3E}">
+        <p14:creationId xmlns:p14="http://schemas.microsoft.com/office/powerpoint/2010/main" val="554370078"/>
+      </p:ext>
+    </p:extLst>
+  </p:cSld>
+  <p:clrMapOvr>
+    <a:masterClrMapping/>
+  </p:clrMapOvr>
+</p:sld>
+</file>
+
+<file path=ppt/slides/slide6.xml><?xml version="1.0" encoding="utf-8"?>
+<p:sld xmlns:a="http://schemas.openxmlformats.org/drawingml/2006/main" xmlns:r="http://schemas.openxmlformats.org/officeDocument/2006/relationships" xmlns:p="http://schemas.openxmlformats.org/presentationml/2006/main">
+  <p:cSld>
+    <p:spTree>
+      <p:nvGrpSpPr>
+        <p:cNvPr id="1" name=""/>
+        <p:cNvGrpSpPr/>
+        <p:nvPr/>
+      </p:nvGrpSpPr>
+      <p:grpSpPr>
+        <a:xfrm>
+          <a:off x="0" y="0"/>
+          <a:ext cx="0" cy="0"/>
+          <a:chOff x="0" y="0"/>
+          <a:chExt cx="0" cy="0"/>
+        </a:xfrm>
+      </p:grpSpPr>
+      <p:sp>
+        <p:nvSpPr>
+          <p:cNvPr id="2" name="Title 1"/>
+          <p:cNvSpPr>
+            <a:spLocks noGrp="1"/>
+          </p:cNvSpPr>
+          <p:nvPr>
+            <p:ph type="title"/>
+          </p:nvPr>
+        </p:nvSpPr>
+        <p:spPr/>
+        <p:txBody>
+          <a:bodyPr/>
+          <a:lstStyle/>
+          <a:p>
+            <a:r>
+              <a:rPr lang="en-US" dirty="0" smtClean="0"/>
+              <a:t>Unicode</a:t>
+            </a:r>
+            <a:endParaRPr lang="en-US" dirty="0"/>
+          </a:p>
+        </p:txBody>
+      </p:sp>
+      <p:sp>
+        <p:nvSpPr>
+          <p:cNvPr id="3" name="Content Placeholder 2"/>
+          <p:cNvSpPr>
+            <a:spLocks noGrp="1"/>
+          </p:cNvSpPr>
+          <p:nvPr>
+            <p:ph idx="1"/>
+          </p:nvPr>
+        </p:nvSpPr>
+        <p:spPr/>
+        <p:txBody>
+          <a:bodyPr>
+            <a:normAutofit fontScale="77500" lnSpcReduction="20000"/>
+          </a:bodyPr>
+          <a:lstStyle/>
+          <a:p>
+            <a:r>
+              <a:rPr lang="en-US" dirty="0" smtClean="0"/>
+              <a:t>The closest thing we have to a standard is a system called Unicode.</a:t>
+            </a:r>
+          </a:p>
+          <a:p>
+            <a:pPr lvl="1"/>
+            <a:r>
+              <a:rPr lang="en-US" dirty="0" smtClean="0"/>
+              <a:t>This defines a set of more than 120,000 different characters.</a:t>
+            </a:r>
+          </a:p>
+          <a:p>
+            <a:pPr lvl="2"/>
+            <a:r>
+              <a:rPr lang="en-US" dirty="0" smtClean="0"/>
+              <a:t>Modern languages, ancient languages, mathematical symbols.</a:t>
+            </a:r>
+          </a:p>
+          <a:p>
+            <a:r>
+              <a:rPr lang="en-US" dirty="0" smtClean="0"/>
+              <a:t>Unicode is actually an abstraction, essentially just assigning an order to characters.</a:t>
+            </a:r>
+          </a:p>
+          <a:p>
+            <a:r>
+              <a:rPr lang="en-US" dirty="0" smtClean="0"/>
+              <a:t>There are then character encodings that take each </a:t>
+            </a:r>
+            <a:r>
+              <a:rPr lang="en-US" dirty="0" err="1" smtClean="0"/>
+              <a:t>unicode</a:t>
+            </a:r>
+            <a:r>
+              <a:rPr lang="en-US" dirty="0" smtClean="0"/>
+              <a:t> character and map it to a sequence of bytes.</a:t>
+            </a:r>
+          </a:p>
+          <a:p>
+            <a:pPr lvl="1"/>
+            <a:r>
+              <a:rPr lang="en-US" dirty="0" smtClean="0"/>
+              <a:t>The most popular one is UTF-8.</a:t>
+            </a:r>
+          </a:p>
+          <a:p>
+            <a:pPr lvl="1"/>
+            <a:r>
+              <a:rPr lang="en-US" dirty="0" smtClean="0"/>
+              <a:t>The 8 stands for 8 bits, or one byte.  Every character in UTF-8 gets 1 to 4 bytes.</a:t>
+            </a:r>
+          </a:p>
+          <a:p>
+            <a:pPr lvl="2"/>
+            <a:r>
+              <a:rPr lang="en-US" dirty="0" smtClean="0"/>
+              <a:t>The original ASCII characters are encoded with 1 byte using their original ASCII encoding.  So UTF-8 is very compact for these characters.</a:t>
+            </a:r>
+          </a:p>
+        </p:txBody>
+      </p:sp>
+    </p:spTree>
+    <p:extLst>
+      <p:ext uri="{BB962C8B-B14F-4D97-AF65-F5344CB8AC3E}">
+        <p14:creationId xmlns:p14="http://schemas.microsoft.com/office/powerpoint/2010/main" val="1509217702"/>
+      </p:ext>
+    </p:extLst>
+  </p:cSld>
+  <p:clrMapOvr>
+    <a:masterClrMapping/>
+  </p:clrMapOvr>
+</p:sld>
+</file>
+
+<file path=ppt/slides/slide7.xml><?xml version="1.0" encoding="utf-8"?>
+<p:sld xmlns:a="http://schemas.openxmlformats.org/drawingml/2006/main" xmlns:r="http://schemas.openxmlformats.org/officeDocument/2006/relationships" xmlns:p="http://schemas.openxmlformats.org/presentationml/2006/main">
+  <p:cSld>
+    <p:spTree>
+      <p:nvGrpSpPr>
+        <p:cNvPr id="1" name=""/>
+        <p:cNvGrpSpPr/>
+        <p:nvPr/>
+      </p:nvGrpSpPr>
+      <p:grpSpPr>
+        <a:xfrm>
+          <a:off x="0" y="0"/>
+          <a:ext cx="0" cy="0"/>
+          <a:chOff x="0" y="0"/>
+          <a:chExt cx="0" cy="0"/>
+        </a:xfrm>
+      </p:grpSpPr>
+      <p:sp>
+        <p:nvSpPr>
+          <p:cNvPr id="2" name="Title 1"/>
+          <p:cNvSpPr>
+            <a:spLocks noGrp="1"/>
+          </p:cNvSpPr>
+          <p:nvPr>
+            <p:ph type="title"/>
+          </p:nvPr>
+        </p:nvSpPr>
+        <p:spPr/>
+        <p:txBody>
+          <a:bodyPr/>
+          <a:lstStyle/>
+          <a:p>
+            <a:r>
+              <a:rPr lang="en-US" dirty="0" smtClean="0"/>
+              <a:t>Unicode</a:t>
+            </a:r>
+            <a:endParaRPr lang="en-US" dirty="0"/>
+          </a:p>
+        </p:txBody>
+      </p:sp>
+      <p:sp>
+        <p:nvSpPr>
+          <p:cNvPr id="3" name="Content Placeholder 2"/>
+          <p:cNvSpPr>
+            <a:spLocks noGrp="1"/>
+          </p:cNvSpPr>
+          <p:nvPr>
+            <p:ph idx="1"/>
+          </p:nvPr>
+        </p:nvSpPr>
+        <p:spPr/>
+        <p:txBody>
+          <a:bodyPr/>
+          <a:lstStyle/>
+          <a:p>
+            <a:r>
+              <a:rPr lang="en-US" dirty="0" smtClean="0"/>
+              <a:t>UTF-8 is becoming a popular standard.</a:t>
+            </a:r>
+          </a:p>
+          <a:p>
+            <a:pPr lvl="1"/>
+            <a:r>
+              <a:rPr lang="en-US" dirty="0"/>
+              <a:t>85.1% of all Web pages in September </a:t>
+            </a:r>
+            <a:r>
+              <a:rPr lang="en-US" dirty="0" smtClean="0"/>
+              <a:t>2015</a:t>
+            </a:r>
+          </a:p>
+          <a:p>
+            <a:r>
+              <a:rPr lang="en-US" dirty="0" smtClean="0"/>
+              <a:t>This is what you want to use if you have a choice.</a:t>
+            </a:r>
+          </a:p>
+          <a:p>
+            <a:r>
+              <a:rPr lang="en-US" dirty="0" smtClean="0"/>
+              <a:t>But there are times when you have to interact with other encodings in Python.</a:t>
+            </a:r>
+          </a:p>
+          <a:p>
+            <a:r>
+              <a:rPr lang="en-US" dirty="0" smtClean="0"/>
+              <a:t>We’ll explore how to encode and decode text in the </a:t>
+            </a:r>
+            <a:r>
+              <a:rPr lang="en-US" smtClean="0"/>
+              <a:t>next segments.</a:t>
+            </a:r>
+            <a:endParaRPr lang="en-US" dirty="0"/>
+          </a:p>
+        </p:txBody>
+      </p:sp>
+    </p:spTree>
+    <p:extLst>
+      <p:ext uri="{BB962C8B-B14F-4D97-AF65-F5344CB8AC3E}">
+        <p14:creationId xmlns:p14="http://schemas.microsoft.com/office/powerpoint/2010/main" val="3886553995"/>
       </p:ext>
     </p:extLst>
   </p:cSld>

--- a/week_8/8.1 - Encoding Text.pptx
+++ b/week_8/8.1 - Encoding Text.pptx
@@ -294,7 +294,7 @@
           <a:p>
             <a:fld id="{30A10C02-35BF-C647-A35C-91B453C8803C}" type="datetimeFigureOut">
               <a:rPr lang="en-US" smtClean="0"/>
-              <a:t>9/27/15</a:t>
+              <a:t>9/29/15</a:t>
             </a:fld>
             <a:endParaRPr lang="en-US"/>
           </a:p>
@@ -464,7 +464,7 @@
           <a:p>
             <a:fld id="{30A10C02-35BF-C647-A35C-91B453C8803C}" type="datetimeFigureOut">
               <a:rPr lang="en-US" smtClean="0"/>
-              <a:t>9/27/15</a:t>
+              <a:t>9/29/15</a:t>
             </a:fld>
             <a:endParaRPr lang="en-US"/>
           </a:p>
@@ -644,7 +644,7 @@
           <a:p>
             <a:fld id="{30A10C02-35BF-C647-A35C-91B453C8803C}" type="datetimeFigureOut">
               <a:rPr lang="en-US" smtClean="0"/>
-              <a:t>9/27/15</a:t>
+              <a:t>9/29/15</a:t>
             </a:fld>
             <a:endParaRPr lang="en-US"/>
           </a:p>
@@ -814,7 +814,7 @@
           <a:p>
             <a:fld id="{30A10C02-35BF-C647-A35C-91B453C8803C}" type="datetimeFigureOut">
               <a:rPr lang="en-US" smtClean="0"/>
-              <a:t>9/27/15</a:t>
+              <a:t>9/29/15</a:t>
             </a:fld>
             <a:endParaRPr lang="en-US"/>
           </a:p>
@@ -1060,7 +1060,7 @@
           <a:p>
             <a:fld id="{30A10C02-35BF-C647-A35C-91B453C8803C}" type="datetimeFigureOut">
               <a:rPr lang="en-US" smtClean="0"/>
-              <a:t>9/27/15</a:t>
+              <a:t>9/29/15</a:t>
             </a:fld>
             <a:endParaRPr lang="en-US"/>
           </a:p>
@@ -1348,7 +1348,7 @@
           <a:p>
             <a:fld id="{30A10C02-35BF-C647-A35C-91B453C8803C}" type="datetimeFigureOut">
               <a:rPr lang="en-US" smtClean="0"/>
-              <a:t>9/27/15</a:t>
+              <a:t>9/29/15</a:t>
             </a:fld>
             <a:endParaRPr lang="en-US"/>
           </a:p>
@@ -1770,7 +1770,7 @@
           <a:p>
             <a:fld id="{30A10C02-35BF-C647-A35C-91B453C8803C}" type="datetimeFigureOut">
               <a:rPr lang="en-US" smtClean="0"/>
-              <a:t>9/27/15</a:t>
+              <a:t>9/29/15</a:t>
             </a:fld>
             <a:endParaRPr lang="en-US"/>
           </a:p>
@@ -1888,7 +1888,7 @@
           <a:p>
             <a:fld id="{30A10C02-35BF-C647-A35C-91B453C8803C}" type="datetimeFigureOut">
               <a:rPr lang="en-US" smtClean="0"/>
-              <a:t>9/27/15</a:t>
+              <a:t>9/29/15</a:t>
             </a:fld>
             <a:endParaRPr lang="en-US"/>
           </a:p>
@@ -1983,7 +1983,7 @@
           <a:p>
             <a:fld id="{30A10C02-35BF-C647-A35C-91B453C8803C}" type="datetimeFigureOut">
               <a:rPr lang="en-US" smtClean="0"/>
-              <a:t>9/27/15</a:t>
+              <a:t>9/29/15</a:t>
             </a:fld>
             <a:endParaRPr lang="en-US"/>
           </a:p>
@@ -2260,7 +2260,7 @@
           <a:p>
             <a:fld id="{30A10C02-35BF-C647-A35C-91B453C8803C}" type="datetimeFigureOut">
               <a:rPr lang="en-US" smtClean="0"/>
-              <a:t>9/27/15</a:t>
+              <a:t>9/29/15</a:t>
             </a:fld>
             <a:endParaRPr lang="en-US"/>
           </a:p>
@@ -2513,7 +2513,7 @@
           <a:p>
             <a:fld id="{30A10C02-35BF-C647-A35C-91B453C8803C}" type="datetimeFigureOut">
               <a:rPr lang="en-US" smtClean="0"/>
-              <a:t>9/27/15</a:t>
+              <a:t>9/29/15</a:t>
             </a:fld>
             <a:endParaRPr lang="en-US"/>
           </a:p>
@@ -2726,7 +2726,7 @@
           <a:p>
             <a:fld id="{30A10C02-35BF-C647-A35C-91B453C8803C}" type="datetimeFigureOut">
               <a:rPr lang="en-US" smtClean="0"/>
-              <a:t>9/27/15</a:t>
+              <a:t>9/29/15</a:t>
             </a:fld>
             <a:endParaRPr lang="en-US"/>
           </a:p>
@@ -3153,6 +3153,13 @@
   <p:clrMapOvr>
     <a:masterClrMapping/>
   </p:clrMapOvr>
+  <p:timing>
+    <p:tnLst>
+      <p:par>
+        <p:cTn xmlns:p14="http://schemas.microsoft.com/office/powerpoint/2010/main" id="1" dur="indefinite" restart="never" nodeType="tmRoot"/>
+      </p:par>
+    </p:tnLst>
+  </p:timing>
 </p:sld>
 </file>
 
@@ -3226,61 +3233,62 @@
             </a:r>
             <a:r>
               <a:rPr lang="en-US" dirty="0" err="1" smtClean="0"/>
-              <a:t>int</a:t>
+              <a:t>ints</a:t>
+            </a:r>
+            <a:r>
+              <a:rPr lang="en-US" dirty="0" smtClean="0"/>
+              <a:t> and floats, to lists and strings, to modules and classes</a:t>
+            </a:r>
+          </a:p>
+          <a:p>
+            <a:r>
+              <a:rPr lang="en-US" dirty="0" smtClean="0"/>
+              <a:t>Today, we’re heading in the other direction.</a:t>
+            </a:r>
+          </a:p>
+          <a:p>
+            <a:pPr lvl="1"/>
+            <a:r>
+              <a:rPr lang="en-US" dirty="0" smtClean="0"/>
+              <a:t>We want to know how a computer can store all the types of data we use, when at some level it’s all binary, just zeros and ones.</a:t>
+            </a:r>
+          </a:p>
+          <a:p>
+            <a:r>
+              <a:rPr lang="en-US" dirty="0" smtClean="0"/>
+              <a:t>When we’re just working in Python, we usually don’t have to worry about this level of representation</a:t>
+            </a:r>
+          </a:p>
+          <a:p>
+            <a:r>
+              <a:rPr lang="en-US" dirty="0" smtClean="0"/>
+              <a:t>But as a data scientist, you’ll often need to collect data from other sources</a:t>
+            </a:r>
+          </a:p>
+          <a:p>
+            <a:pPr lvl="1"/>
+            <a:r>
+              <a:rPr lang="en-US" dirty="0" smtClean="0"/>
+              <a:t>Websites or servers with public </a:t>
             </a:r>
             <a:r>
               <a:rPr lang="en-US" dirty="0" err="1" smtClean="0"/>
-              <a:t>s</a:t>
-            </a:r>
-            <a:r>
-              <a:rPr lang="en-US" dirty="0" smtClean="0"/>
-              <a:t> and floats, to lists and strings, to modules and classes</a:t>
-            </a:r>
-          </a:p>
-          <a:p>
-            <a:r>
-              <a:rPr lang="en-US" dirty="0" smtClean="0"/>
-              <a:t>Today, we’re heading in the other direction.</a:t>
-            </a:r>
+              <a:t>apis</a:t>
+            </a:r>
+            <a:endParaRPr lang="en-US" dirty="0" smtClean="0"/>
           </a:p>
           <a:p>
             <a:pPr lvl="1"/>
             <a:r>
               <a:rPr lang="en-US" dirty="0" smtClean="0"/>
-              <a:t>We want to know how a computer can store all the types of data we use, when at some level it’s all binary, just zeros and ones.</a:t>
-            </a:r>
-          </a:p>
-          <a:p>
-            <a:r>
-              <a:rPr lang="en-US" dirty="0" smtClean="0"/>
-              <a:t>When we’re just working in Python, we usually don’t have to worry about this level of representation</a:t>
-            </a:r>
-          </a:p>
-          <a:p>
-            <a:r>
-              <a:rPr lang="en-US" dirty="0" smtClean="0"/>
-              <a:t>But as a data scientist, you’ll often need to collect data from other sources</a:t>
+              <a:t>Files created by other people</a:t>
             </a:r>
           </a:p>
           <a:p>
             <a:pPr lvl="1"/>
             <a:r>
               <a:rPr lang="en-US" dirty="0" smtClean="0"/>
-              <a:t>Websites</a:t>
-            </a:r>
-          </a:p>
-          <a:p>
-            <a:pPr lvl="1"/>
-            <a:r>
-              <a:rPr lang="en-US" dirty="0" smtClean="0"/>
-              <a:t>Publically advertised servers</a:t>
-            </a:r>
-          </a:p>
-          <a:p>
-            <a:pPr lvl="1"/>
-            <a:r>
-              <a:rPr lang="en-US" dirty="0" smtClean="0"/>
-              <a:t>Files created by other people</a:t>
+              <a:t>Text that people type into your application</a:t>
             </a:r>
           </a:p>
           <a:p>
@@ -3301,6 +3309,13 @@
   <p:clrMapOvr>
     <a:masterClrMapping/>
   </p:clrMapOvr>
+  <p:timing>
+    <p:tnLst>
+      <p:par>
+        <p:cTn xmlns:p14="http://schemas.microsoft.com/office/powerpoint/2010/main" id="1" dur="indefinite" restart="never" nodeType="tmRoot"/>
+      </p:par>
+    </p:tnLst>
+  </p:timing>
 </p:sld>
 </file>
 
@@ -3482,6 +3497,13 @@
   <p:clrMapOvr>
     <a:masterClrMapping/>
   </p:clrMapOvr>
+  <p:timing>
+    <p:tnLst>
+      <p:par>
+        <p:cTn xmlns:p14="http://schemas.microsoft.com/office/powerpoint/2010/main" id="1" dur="indefinite" restart="never" nodeType="tmRoot"/>
+      </p:par>
+    </p:tnLst>
+  </p:timing>
 </p:sld>
 </file>
 
@@ -3527,7 +3549,7 @@
       </p:sp>
       <p:pic>
         <p:nvPicPr>
-          <p:cNvPr id="4" name="Picture 3" descr="AppF_ASCIITable.png"/>
+          <p:cNvPr id="3" name="Picture 2" descr="ascii-0-127.gif"/>
           <p:cNvPicPr>
             <a:picLocks noChangeAspect="1"/>
           </p:cNvPicPr>
@@ -3547,8 +3569,8 @@
         </p:blipFill>
         <p:spPr>
           <a:xfrm>
-            <a:off x="686970" y="1281512"/>
-            <a:ext cx="7337483" cy="5576487"/>
+            <a:off x="856831" y="1393013"/>
+            <a:ext cx="7537441" cy="5464987"/>
           </a:xfrm>
           <a:prstGeom prst="rect">
             <a:avLst/>
@@ -3565,6 +3587,13 @@
   <p:clrMapOvr>
     <a:masterClrMapping/>
   </p:clrMapOvr>
+  <p:timing>
+    <p:tnLst>
+      <p:par>
+        <p:cTn xmlns:p14="http://schemas.microsoft.com/office/powerpoint/2010/main" id="1" dur="indefinite" restart="never" nodeType="tmRoot"/>
+      </p:par>
+    </p:tnLst>
+  </p:timing>
 </p:sld>
 </file>
 
@@ -3674,6 +3703,13 @@
   <p:clrMapOvr>
     <a:masterClrMapping/>
   </p:clrMapOvr>
+  <p:timing>
+    <p:tnLst>
+      <p:par>
+        <p:cTn xmlns:p14="http://schemas.microsoft.com/office/powerpoint/2010/main" id="1" dur="indefinite" restart="never" nodeType="tmRoot"/>
+      </p:par>
+    </p:tnLst>
+  </p:timing>
 </p:sld>
 </file>
 
@@ -3806,6 +3842,13 @@
   <p:clrMapOvr>
     <a:masterClrMapping/>
   </p:clrMapOvr>
+  <p:timing>
+    <p:tnLst>
+      <p:par>
+        <p:cTn xmlns:p14="http://schemas.microsoft.com/office/powerpoint/2010/main" id="1" dur="indefinite" restart="never" nodeType="tmRoot"/>
+      </p:par>
+    </p:tnLst>
+  </p:timing>
 </p:sld>
 </file>
 
@@ -3895,11 +3938,7 @@
           <a:p>
             <a:r>
               <a:rPr lang="en-US" dirty="0" smtClean="0"/>
-              <a:t>We’ll explore how to encode and decode text in the </a:t>
-            </a:r>
-            <a:r>
-              <a:rPr lang="en-US" smtClean="0"/>
-              <a:t>next segments.</a:t>
+              <a:t>We’ll explore how to encode and decode text in the next segments.</a:t>
             </a:r>
             <a:endParaRPr lang="en-US" dirty="0"/>
           </a:p>
@@ -3915,6 +3954,13 @@
   <p:clrMapOvr>
     <a:masterClrMapping/>
   </p:clrMapOvr>
+  <p:timing>
+    <p:tnLst>
+      <p:par>
+        <p:cTn xmlns:p14="http://schemas.microsoft.com/office/powerpoint/2010/main" id="1" dur="indefinite" restart="never" nodeType="tmRoot"/>
+      </p:par>
+    </p:tnLst>
+  </p:timing>
 </p:sld>
 </file>
 
